--- a/Report/Presentation.pptx
+++ b/Report/Presentation.pptx
@@ -14,6 +14,10 @@
     <p:sldId id="262" r:id="rId8"/>
     <p:sldId id="263" r:id="rId9"/>
     <p:sldId id="264" r:id="rId10"/>
+    <p:sldId id="265" r:id="rId11"/>
+    <p:sldId id="266" r:id="rId12"/>
+    <p:sldId id="267" r:id="rId13"/>
+    <p:sldId id="268" r:id="rId14"/>
   </p:sldIdLst>
   <p:sldSz cx="9144000" cy="6858000" type="screen4x3"/>
   <p:notesSz cx="6858000" cy="9144000"/>
@@ -3360,6 +3364,378 @@
 </p:sld>
 </file>
 
+<file path=ppt/slides/slide10.xml><?xml version="1.0" encoding="utf-8"?>
+<p:sld xmlns:a="http://schemas.openxmlformats.org/drawingml/2006/main" xmlns:r="http://schemas.openxmlformats.org/officeDocument/2006/relationships" xmlns:p="http://schemas.openxmlformats.org/presentationml/2006/main">
+  <p:cSld>
+    <p:spTree>
+      <p:nvGrpSpPr>
+        <p:cNvPr id="1" name=""/>
+        <p:cNvGrpSpPr/>
+        <p:nvPr/>
+      </p:nvGrpSpPr>
+      <p:grpSpPr>
+        <a:xfrm>
+          <a:off x="0" y="0"/>
+          <a:ext cx="0" cy="0"/>
+          <a:chOff x="0" y="0"/>
+          <a:chExt cx="0" cy="0"/>
+        </a:xfrm>
+      </p:grpSpPr>
+      <p:sp>
+        <p:nvSpPr>
+          <p:cNvPr id="2" name="Title 1"/>
+          <p:cNvSpPr>
+            <a:spLocks noGrp="1"/>
+          </p:cNvSpPr>
+          <p:nvPr>
+            <p:ph type="title"/>
+          </p:nvPr>
+        </p:nvSpPr>
+        <p:spPr/>
+        <p:txBody>
+          <a:bodyPr/>
+          <a:lstStyle/>
+          <a:p>
+            <a:pPr lvl="0" marL="0" indent="0">
+              <a:buNone/>
+            </a:pPr>
+            <a:r>
+              <a:rPr/>
+              <a:t>Pygame</a:t>
+            </a:r>
+          </a:p>
+        </p:txBody>
+      </p:sp>
+      <p:sp>
+        <p:nvSpPr>
+          <p:cNvPr id="3" name="Content Placeholder 2"/>
+          <p:cNvSpPr>
+            <a:spLocks noGrp="1"/>
+          </p:cNvSpPr>
+          <p:nvPr>
+            <p:ph idx="1"/>
+          </p:nvPr>
+        </p:nvSpPr>
+        <p:spPr/>
+        <p:txBody>
+          <a:bodyPr/>
+          <a:lstStyle/>
+          <a:p>
+            <a:pPr lvl="1"/>
+            <a:r>
+              <a:rPr/>
+              <a:t>Apprentissage rapide</a:t>
+            </a:r>
+          </a:p>
+          <a:p>
+            <a:pPr lvl="1"/>
+            <a:r>
+              <a:rPr/>
+              <a:t>Approfondissement au fur et à mesure</a:t>
+            </a:r>
+          </a:p>
+          <a:p>
+            <a:pPr lvl="1"/>
+            <a:r>
+              <a:rPr/>
+              <a:t>Améliorations possible de l’utilisation</a:t>
+            </a:r>
+          </a:p>
+        </p:txBody>
+      </p:sp>
+    </p:spTree>
+  </p:cSld>
+</p:sld>
+</file>
+
+<file path=ppt/slides/slide11.xml><?xml version="1.0" encoding="utf-8"?>
+<p:sld xmlns:a="http://schemas.openxmlformats.org/drawingml/2006/main" xmlns:r="http://schemas.openxmlformats.org/officeDocument/2006/relationships" xmlns:p="http://schemas.openxmlformats.org/presentationml/2006/main">
+  <p:cSld>
+    <p:spTree>
+      <p:nvGrpSpPr>
+        <p:cNvPr id="1" name=""/>
+        <p:cNvGrpSpPr/>
+        <p:nvPr/>
+      </p:nvGrpSpPr>
+      <p:grpSpPr>
+        <a:xfrm>
+          <a:off x="0" y="0"/>
+          <a:ext cx="0" cy="0"/>
+          <a:chOff x="0" y="0"/>
+          <a:chExt cx="0" cy="0"/>
+        </a:xfrm>
+      </p:grpSpPr>
+      <p:sp>
+        <p:nvSpPr>
+          <p:cNvPr id="2" name="Title 1"/>
+          <p:cNvSpPr>
+            <a:spLocks noGrp="1"/>
+          </p:cNvSpPr>
+          <p:nvPr>
+            <p:ph type="title"/>
+          </p:nvPr>
+        </p:nvSpPr>
+        <p:spPr/>
+        <p:txBody>
+          <a:bodyPr/>
+          <a:lstStyle/>
+          <a:p>
+            <a:pPr lvl="0" marL="0" indent="0">
+              <a:buNone/>
+            </a:pPr>
+            <a:r>
+              <a:rPr/>
+              <a:t>Limites</a:t>
+            </a:r>
+            <a:r>
+              <a:rPr/>
+              <a:t> </a:t>
+            </a:r>
+            <a:r>
+              <a:rPr/>
+              <a:t>de</a:t>
+            </a:r>
+            <a:r>
+              <a:rPr/>
+              <a:t> </a:t>
+            </a:r>
+            <a:r>
+              <a:rPr/>
+              <a:t>préstation</a:t>
+            </a:r>
+          </a:p>
+        </p:txBody>
+      </p:sp>
+      <p:sp>
+        <p:nvSpPr>
+          <p:cNvPr id="3" name="Content Placeholder 2"/>
+          <p:cNvSpPr>
+            <a:spLocks noGrp="1"/>
+          </p:cNvSpPr>
+          <p:nvPr>
+            <p:ph idx="1"/>
+          </p:nvPr>
+        </p:nvSpPr>
+        <p:spPr/>
+        <p:txBody>
+          <a:bodyPr/>
+          <a:lstStyle/>
+          <a:p>
+            <a:pPr lvl="1"/>
+            <a:r>
+              <a:rPr/>
+              <a:t>Premier projet, on veut toujours en faire trop</a:t>
+            </a:r>
+          </a:p>
+          <a:p>
+            <a:pPr lvl="1"/>
+            <a:r>
+              <a:rPr/>
+              <a:t>Déterminer le Minimal Viable Product</a:t>
+            </a:r>
+          </a:p>
+          <a:p>
+            <a:pPr lvl="1"/>
+            <a:r>
+              <a:rPr/>
+              <a:t>Avoir une To Do List compléte et s’y tenir</a:t>
+            </a:r>
+          </a:p>
+        </p:txBody>
+      </p:sp>
+    </p:spTree>
+  </p:cSld>
+</p:sld>
+</file>
+
+<file path=ppt/slides/slide12.xml><?xml version="1.0" encoding="utf-8"?>
+<p:sld xmlns:a="http://schemas.openxmlformats.org/drawingml/2006/main" xmlns:r="http://schemas.openxmlformats.org/officeDocument/2006/relationships" xmlns:p="http://schemas.openxmlformats.org/presentationml/2006/main">
+  <p:cSld>
+    <p:spTree>
+      <p:nvGrpSpPr>
+        <p:cNvPr id="1" name=""/>
+        <p:cNvGrpSpPr/>
+        <p:nvPr/>
+      </p:nvGrpSpPr>
+      <p:grpSpPr>
+        <a:xfrm>
+          <a:off x="0" y="0"/>
+          <a:ext cx="0" cy="0"/>
+          <a:chOff x="0" y="0"/>
+          <a:chExt cx="0" cy="0"/>
+        </a:xfrm>
+      </p:grpSpPr>
+      <p:sp>
+        <p:nvSpPr>
+          <p:cNvPr id="2" name="Title 1"/>
+          <p:cNvSpPr>
+            <a:spLocks noGrp="1"/>
+          </p:cNvSpPr>
+          <p:nvPr>
+            <p:ph type="title"/>
+          </p:nvPr>
+        </p:nvSpPr>
+        <p:spPr/>
+        <p:txBody>
+          <a:bodyPr/>
+          <a:lstStyle/>
+          <a:p>
+            <a:pPr lvl="0" marL="0" indent="0">
+              <a:buNone/>
+            </a:pPr>
+            <a:r>
+              <a:rPr/>
+              <a:t>Cohérence</a:t>
+            </a:r>
+            <a:r>
+              <a:rPr/>
+              <a:t> </a:t>
+            </a:r>
+            <a:r>
+              <a:rPr/>
+              <a:t>et</a:t>
+            </a:r>
+            <a:r>
+              <a:rPr/>
+              <a:t> </a:t>
+            </a:r>
+            <a:r>
+              <a:rPr/>
+              <a:t>propreté</a:t>
+            </a:r>
+            <a:r>
+              <a:rPr/>
+              <a:t> </a:t>
+            </a:r>
+            <a:r>
+              <a:rPr/>
+              <a:t>du</a:t>
+            </a:r>
+            <a:r>
+              <a:rPr/>
+              <a:t> </a:t>
+            </a:r>
+            <a:r>
+              <a:rPr/>
+              <a:t>code</a:t>
+            </a:r>
+          </a:p>
+        </p:txBody>
+      </p:sp>
+      <p:sp>
+        <p:nvSpPr>
+          <p:cNvPr id="3" name="Content Placeholder 2"/>
+          <p:cNvSpPr>
+            <a:spLocks noGrp="1"/>
+          </p:cNvSpPr>
+          <p:nvPr>
+            <p:ph idx="1"/>
+          </p:nvPr>
+        </p:nvSpPr>
+        <p:spPr/>
+        <p:txBody>
+          <a:bodyPr/>
+          <a:lstStyle/>
+          <a:p>
+            <a:pPr lvl="1"/>
+            <a:r>
+              <a:rPr/>
+              <a:t>Grosse évolution sur la façon de coder et commenter</a:t>
+            </a:r>
+          </a:p>
+          <a:p>
+            <a:pPr lvl="1"/>
+            <a:r>
+              <a:rPr/>
+              <a:t>S’assurer de la cohérence entre le début et la fin du projet</a:t>
+            </a:r>
+          </a:p>
+          <a:p>
+            <a:pPr lvl="1"/>
+            <a:r>
+              <a:rPr/>
+              <a:t>Maintenir un code propre et lisible pour la maintenance</a:t>
+            </a:r>
+          </a:p>
+        </p:txBody>
+      </p:sp>
+    </p:spTree>
+  </p:cSld>
+</p:sld>
+</file>
+
+<file path=ppt/slides/slide13.xml><?xml version="1.0" encoding="utf-8"?>
+<p:sld xmlns:a="http://schemas.openxmlformats.org/drawingml/2006/main" xmlns:r="http://schemas.openxmlformats.org/officeDocument/2006/relationships" xmlns:p="http://schemas.openxmlformats.org/presentationml/2006/main">
+  <p:cSld>
+    <p:spTree>
+      <p:nvGrpSpPr>
+        <p:cNvPr id="1" name=""/>
+        <p:cNvGrpSpPr/>
+        <p:nvPr/>
+      </p:nvGrpSpPr>
+      <p:grpSpPr>
+        <a:xfrm>
+          <a:off x="0" y="0"/>
+          <a:ext cx="0" cy="0"/>
+          <a:chOff x="0" y="0"/>
+          <a:chExt cx="0" cy="0"/>
+        </a:xfrm>
+      </p:grpSpPr>
+      <p:sp>
+        <p:nvSpPr>
+          <p:cNvPr id="2" name="Title 1"/>
+          <p:cNvSpPr>
+            <a:spLocks noGrp="1"/>
+          </p:cNvSpPr>
+          <p:nvPr>
+            <p:ph type="title"/>
+          </p:nvPr>
+        </p:nvSpPr>
+        <p:spPr/>
+        <p:txBody>
+          <a:bodyPr/>
+          <a:lstStyle/>
+          <a:p>
+            <a:pPr lvl="0" marL="0" indent="0">
+              <a:buNone/>
+            </a:pPr>
+            <a:r>
+              <a:rPr/>
+              <a:t>Fin</a:t>
+            </a:r>
+          </a:p>
+        </p:txBody>
+      </p:sp>
+      <p:sp>
+        <p:nvSpPr>
+          <p:cNvPr id="3" name="Content Placeholder 2"/>
+          <p:cNvSpPr>
+            <a:spLocks noGrp="1"/>
+          </p:cNvSpPr>
+          <p:nvPr>
+            <p:ph idx="1"/>
+          </p:nvPr>
+        </p:nvSpPr>
+        <p:spPr/>
+        <p:txBody>
+          <a:bodyPr/>
+          <a:lstStyle/>
+          <a:p>
+            <a:pPr lvl="0" marL="0" indent="0">
+              <a:buNone/>
+            </a:pPr>
+            <a:r>
+              <a:rPr/>
+              <a:t>Merci pour votre attention</a:t>
+            </a:r>
+          </a:p>
+        </p:txBody>
+      </p:sp>
+    </p:spTree>
+  </p:cSld>
+</p:sld>
+</file>
+
 <file path=ppt/slides/slide2.xml><?xml version="1.0" encoding="utf-8"?>
 <p:sld xmlns:a="http://schemas.openxmlformats.org/drawingml/2006/main" xmlns:r="http://schemas.openxmlformats.org/officeDocument/2006/relationships" xmlns:p="http://schemas.openxmlformats.org/presentationml/2006/main">
   <p:cSld>
@@ -4028,7 +4404,12 @@
             <p:ph type="title"/>
           </p:nvPr>
         </p:nvSpPr>
-        <p:spPr/>
+        <p:spPr>
+          <a:xfrm>
+            <a:off x="722313" y="4406900"/>
+            <a:ext cx="7772400" cy="1362075"/>
+          </a:xfrm>
+        </p:spPr>
         <p:txBody>
           <a:bodyPr/>
           <a:lstStyle/>
@@ -4038,32 +4419,23 @@
             </a:pPr>
             <a:r>
               <a:rPr/>
-              <a:t>Fin</a:t>
-            </a:r>
-          </a:p>
-        </p:txBody>
-      </p:sp>
-      <p:sp>
-        <p:nvSpPr>
-          <p:cNvPr id="3" name="Content Placeholder 2"/>
-          <p:cNvSpPr>
-            <a:spLocks noGrp="1"/>
-          </p:cNvSpPr>
-          <p:nvPr>
-            <p:ph idx="1"/>
-          </p:nvPr>
-        </p:nvSpPr>
-        <p:spPr/>
-        <p:txBody>
-          <a:bodyPr/>
-          <a:lstStyle/>
-          <a:p>
-            <a:pPr lvl="0" marL="0" indent="0">
-              <a:buNone/>
-            </a:pPr>
-            <a:r>
-              <a:rPr/>
-              <a:t>Merci pour votre attention</a:t>
+              <a:t>Bilan</a:t>
+            </a:r>
+            <a:r>
+              <a:rPr/>
+              <a:t> </a:t>
+            </a:r>
+            <a:r>
+              <a:rPr/>
+              <a:t>du</a:t>
+            </a:r>
+            <a:r>
+              <a:rPr/>
+              <a:t> </a:t>
+            </a:r>
+            <a:r>
+              <a:rPr/>
+              <a:t>projet</a:t>
             </a:r>
           </a:p>
         </p:txBody>
